--- a/apresentacoes/Aula2/Etapa1/Etapa1.pptx
+++ b/apresentacoes/Aula2/Etapa1/Etapa1.pptx
@@ -293,7 +293,7 @@
       </p15:sldGuideLst>
     </p:ext>
     <p:ext uri="http://customooxmlschemas.google.com/">
-      <go:slidesCustomData xmlns:go="http://customooxmlschemas.google.com/" xmlns:ahyp="http://schemas.microsoft.com/office/drawing/2018/hyperlinkcolor" xmlns:p15="http://schemas.microsoft.com/office/powerpoint/2012/main" xmlns:p14="http://schemas.microsoft.com/office/powerpoint/2010/main" xmlns:com="http://schemas.openxmlformats.org/drawingml/2006/compatibility" xmlns:pvml="urn:schemas-microsoft-com:office:powerpoint" xmlns:v="urn:schemas-microsoft-com:vml" xmlns:o="urn:schemas-microsoft-com:office:office" xmlns:dgm="http://schemas.openxmlformats.org/drawingml/2006/diagram" xmlns:c="http://schemas.openxmlformats.org/drawingml/2006/chart" xmlns:mv="urn:schemas-microsoft-com:mac:vml" xmlns:mc="http://schemas.openxmlformats.org/markup-compatibility/2006" xmlns="" r:id="rId34" roundtripDataSignature="AMtx7mij1fsZUe5V3lBG5qQcqOvrI5UhJw=="/>
+      <go:slidesCustomData xmlns="" xmlns:mc="http://schemas.openxmlformats.org/markup-compatibility/2006" xmlns:mv="urn:schemas-microsoft-com:mac:vml" xmlns:c="http://schemas.openxmlformats.org/drawingml/2006/chart" xmlns:dgm="http://schemas.openxmlformats.org/drawingml/2006/diagram" xmlns:o="urn:schemas-microsoft-com:office:office" xmlns:v="urn:schemas-microsoft-com:vml" xmlns:pvml="urn:schemas-microsoft-com:office:powerpoint" xmlns:com="http://schemas.openxmlformats.org/drawingml/2006/compatibility" xmlns:p14="http://schemas.microsoft.com/office/powerpoint/2010/main" xmlns:p15="http://schemas.microsoft.com/office/powerpoint/2012/main" xmlns:ahyp="http://schemas.microsoft.com/office/drawing/2018/hyperlinkcolor" xmlns:go="http://customooxmlschemas.google.com/" r:id="rId34" roundtripDataSignature="AMtx7mij1fsZUe5V3lBG5qQcqOvrI5UhJw=="/>
     </p:ext>
   </p:extLst>
 </p:presentation>
@@ -22274,13 +22274,13 @@
   <p:clrMapOvr>
     <a:masterClrMapping/>
   </p:clrMapOvr>
-  <mc:AlternateContent xmlns:mc="http://schemas.openxmlformats.org/markup-compatibility/2006">
-    <mc:Choice xmlns:p14="http://schemas.microsoft.com/office/powerpoint/2010/main" Requires="p14">
+  <mc:AlternateContent xmlns:mc="http://schemas.openxmlformats.org/markup-compatibility/2006" xmlns:p14="http://schemas.microsoft.com/office/powerpoint/2010/main">
+    <mc:Choice Requires="p14">
       <p:transition spd="med" p14:dur="700">
         <p:fade/>
       </p:transition>
     </mc:Choice>
-    <mc:Fallback>
+    <mc:Fallback xmlns="">
       <p:transition spd="med">
         <p:fade/>
       </p:transition>
@@ -23786,13 +23786,13 @@
   <p:clrMapOvr>
     <a:masterClrMapping/>
   </p:clrMapOvr>
-  <mc:AlternateContent xmlns:mc="http://schemas.openxmlformats.org/markup-compatibility/2006">
-    <mc:Choice xmlns:p14="http://schemas.microsoft.com/office/powerpoint/2010/main" Requires="p14">
+  <mc:AlternateContent xmlns:mc="http://schemas.openxmlformats.org/markup-compatibility/2006" xmlns:p14="http://schemas.microsoft.com/office/powerpoint/2010/main">
+    <mc:Choice Requires="p14">
       <p:transition spd="med" p14:dur="700">
         <p:fade/>
       </p:transition>
     </mc:Choice>
-    <mc:Fallback>
+    <mc:Fallback xmlns="">
       <p:transition spd="med">
         <p:fade/>
       </p:transition>
@@ -25536,10 +25536,10 @@
       </p:sp>
       <p:pic>
         <p:nvPicPr>
-          <p:cNvPr id="13" name="Imagem 12">
+          <p:cNvPr id="14" name="Imagem 13">
             <a:extLst>
               <a:ext uri="{FF2B5EF4-FFF2-40B4-BE49-F238E27FC236}">
-                <a16:creationId xmlns:a16="http://schemas.microsoft.com/office/drawing/2014/main" id="{869FE389-4A58-49C3-8D88-CEAADE0E4788}"/>
+                <a16:creationId xmlns:a16="http://schemas.microsoft.com/office/drawing/2014/main" id="{43A2DAF6-131F-4CAF-BFDE-BBE13E3F8C5D}"/>
               </a:ext>
             </a:extLst>
           </p:cNvPr>
@@ -25556,8 +25556,8 @@
         </p:blipFill>
         <p:spPr>
           <a:xfrm>
-            <a:off x="7888407" y="3555365"/>
-            <a:ext cx="1098017" cy="1098017"/>
+            <a:off x="7196362" y="2461450"/>
+            <a:ext cx="1938293" cy="2349447"/>
           </a:xfrm>
           <a:prstGeom prst="rect">
             <a:avLst/>
@@ -25575,7 +25575,7 @@
         <p:fade/>
       </p:transition>
     </mc:Choice>
-    <mc:Fallback xmlns:ahyp="http://schemas.microsoft.com/office/drawing/2018/hyperlinkcolor" xmlns:p15="http://schemas.microsoft.com/office/powerpoint/2012/main" xmlns:com="http://schemas.openxmlformats.org/drawingml/2006/compatibility" xmlns:pvml="urn:schemas-microsoft-com:office:powerpoint" xmlns:v="urn:schemas-microsoft-com:vml" xmlns:o="urn:schemas-microsoft-com:office:office" xmlns:dgm="http://schemas.openxmlformats.org/drawingml/2006/diagram" xmlns:c="http://schemas.openxmlformats.org/drawingml/2006/chart" xmlns:mv="urn:schemas-microsoft-com:mac:vml" xmlns="">
+    <mc:Fallback xmlns="" xmlns:mv="urn:schemas-microsoft-com:mac:vml" xmlns:c="http://schemas.openxmlformats.org/drawingml/2006/chart" xmlns:dgm="http://schemas.openxmlformats.org/drawingml/2006/diagram" xmlns:o="urn:schemas-microsoft-com:office:office" xmlns:v="urn:schemas-microsoft-com:vml" xmlns:pvml="urn:schemas-microsoft-com:office:powerpoint" xmlns:com="http://schemas.openxmlformats.org/drawingml/2006/compatibility" xmlns:p15="http://schemas.microsoft.com/office/powerpoint/2012/main" xmlns:ahyp="http://schemas.microsoft.com/office/drawing/2018/hyperlinkcolor">
       <p:transition spd="slow">
         <p:fade/>
       </p:transition>
@@ -26651,7 +26651,7 @@
         <p:fade/>
       </p:transition>
     </mc:Choice>
-    <mc:Fallback xmlns="" xmlns:mv="urn:schemas-microsoft-com:mac:vml" xmlns:c="http://schemas.openxmlformats.org/drawingml/2006/chart" xmlns:dgm="http://schemas.openxmlformats.org/drawingml/2006/diagram" xmlns:o="urn:schemas-microsoft-com:office:office" xmlns:v="urn:schemas-microsoft-com:vml" xmlns:pvml="urn:schemas-microsoft-com:office:powerpoint" xmlns:com="http://schemas.openxmlformats.org/drawingml/2006/compatibility" xmlns:p15="http://schemas.microsoft.com/office/powerpoint/2012/main" xmlns:ahyp="http://schemas.microsoft.com/office/drawing/2018/hyperlinkcolor">
+    <mc:Fallback xmlns:ahyp="http://schemas.microsoft.com/office/drawing/2018/hyperlinkcolor" xmlns:p15="http://schemas.microsoft.com/office/powerpoint/2012/main" xmlns:com="http://schemas.openxmlformats.org/drawingml/2006/compatibility" xmlns:pvml="urn:schemas-microsoft-com:office:powerpoint" xmlns:v="urn:schemas-microsoft-com:vml" xmlns:o="urn:schemas-microsoft-com:office:office" xmlns:dgm="http://schemas.openxmlformats.org/drawingml/2006/diagram" xmlns:c="http://schemas.openxmlformats.org/drawingml/2006/chart" xmlns:mv="urn:schemas-microsoft-com:mac:vml" xmlns="">
       <p:transition spd="slow">
         <p:fade/>
       </p:transition>
@@ -27870,13 +27870,13 @@
   <p:clrMapOvr>
     <a:masterClrMapping/>
   </p:clrMapOvr>
-  <mc:AlternateContent xmlns:mc="http://schemas.openxmlformats.org/markup-compatibility/2006">
-    <mc:Choice xmlns:p14="http://schemas.microsoft.com/office/powerpoint/2010/main" Requires="p14">
+  <mc:AlternateContent xmlns:mc="http://schemas.openxmlformats.org/markup-compatibility/2006" xmlns:p14="http://schemas.microsoft.com/office/powerpoint/2010/main">
+    <mc:Choice Requires="p14">
       <p:transition spd="med" p14:dur="700">
         <p:fade/>
       </p:transition>
     </mc:Choice>
-    <mc:Fallback>
+    <mc:Fallback xmlns="">
       <p:transition spd="med">
         <p:fade/>
       </p:transition>
@@ -29124,13 +29124,13 @@
   <p:clrMapOvr>
     <a:masterClrMapping/>
   </p:clrMapOvr>
-  <mc:AlternateContent xmlns:mc="http://schemas.openxmlformats.org/markup-compatibility/2006">
-    <mc:Choice xmlns:p14="http://schemas.microsoft.com/office/powerpoint/2010/main" Requires="p14">
+  <mc:AlternateContent xmlns:mc="http://schemas.openxmlformats.org/markup-compatibility/2006" xmlns:p14="http://schemas.microsoft.com/office/powerpoint/2010/main">
+    <mc:Choice Requires="p14">
       <p:transition spd="med" p14:dur="700">
         <p:fade/>
       </p:transition>
     </mc:Choice>
-    <mc:Fallback>
+    <mc:Fallback xmlns="">
       <p:transition spd="med">
         <p:fade/>
       </p:transition>
@@ -31279,13 +31279,13 @@
   <p:clrMapOvr>
     <a:masterClrMapping/>
   </p:clrMapOvr>
-  <mc:AlternateContent xmlns:mc="http://schemas.openxmlformats.org/markup-compatibility/2006">
-    <mc:Choice xmlns:p14="http://schemas.microsoft.com/office/powerpoint/2010/main" Requires="p14">
+  <mc:AlternateContent xmlns:mc="http://schemas.openxmlformats.org/markup-compatibility/2006" xmlns:p14="http://schemas.microsoft.com/office/powerpoint/2010/main">
+    <mc:Choice Requires="p14">
       <p:transition spd="med" p14:dur="700">
         <p:fade/>
       </p:transition>
     </mc:Choice>
-    <mc:Fallback>
+    <mc:Fallback xmlns="">
       <p:transition spd="med">
         <p:fade/>
       </p:transition>
@@ -32840,13 +32840,13 @@
   <p:clrMapOvr>
     <a:masterClrMapping/>
   </p:clrMapOvr>
-  <mc:AlternateContent xmlns:mc="http://schemas.openxmlformats.org/markup-compatibility/2006">
-    <mc:Choice xmlns:p14="http://schemas.microsoft.com/office/powerpoint/2010/main" Requires="p14">
+  <mc:AlternateContent xmlns:mc="http://schemas.openxmlformats.org/markup-compatibility/2006" xmlns:p14="http://schemas.microsoft.com/office/powerpoint/2010/main">
+    <mc:Choice Requires="p14">
       <p:transition spd="med" p14:dur="700">
         <p:fade/>
       </p:transition>
     </mc:Choice>
-    <mc:Fallback>
+    <mc:Fallback xmlns="">
       <p:transition spd="med">
         <p:fade/>
       </p:transition>
@@ -34266,13 +34266,13 @@
   <p:clrMapOvr>
     <a:masterClrMapping/>
   </p:clrMapOvr>
-  <mc:AlternateContent xmlns:mc="http://schemas.openxmlformats.org/markup-compatibility/2006">
-    <mc:Choice xmlns:p14="http://schemas.microsoft.com/office/powerpoint/2010/main" Requires="p14">
+  <mc:AlternateContent xmlns:mc="http://schemas.openxmlformats.org/markup-compatibility/2006" xmlns:p14="http://schemas.microsoft.com/office/powerpoint/2010/main">
+    <mc:Choice Requires="p14">
       <p:transition spd="med" p14:dur="700">
         <p:fade/>
       </p:transition>
     </mc:Choice>
-    <mc:Fallback>
+    <mc:Fallback xmlns="">
       <p:transition spd="med">
         <p:fade/>
       </p:transition>

--- a/apresentacoes/Aula2/Etapa1/Etapa1.pptx
+++ b/apresentacoes/Aula2/Etapa1/Etapa1.pptx
@@ -293,7 +293,7 @@
       </p15:sldGuideLst>
     </p:ext>
     <p:ext uri="http://customooxmlschemas.google.com/">
-      <go:slidesCustomData xmlns="" xmlns:mc="http://schemas.openxmlformats.org/markup-compatibility/2006" xmlns:mv="urn:schemas-microsoft-com:mac:vml" xmlns:c="http://schemas.openxmlformats.org/drawingml/2006/chart" xmlns:dgm="http://schemas.openxmlformats.org/drawingml/2006/diagram" xmlns:o="urn:schemas-microsoft-com:office:office" xmlns:v="urn:schemas-microsoft-com:vml" xmlns:pvml="urn:schemas-microsoft-com:office:powerpoint" xmlns:com="http://schemas.openxmlformats.org/drawingml/2006/compatibility" xmlns:p14="http://schemas.microsoft.com/office/powerpoint/2010/main" xmlns:p15="http://schemas.microsoft.com/office/powerpoint/2012/main" xmlns:ahyp="http://schemas.microsoft.com/office/drawing/2018/hyperlinkcolor" xmlns:go="http://customooxmlschemas.google.com/" r:id="rId34" roundtripDataSignature="AMtx7mij1fsZUe5V3lBG5qQcqOvrI5UhJw=="/>
+      <go:slidesCustomData xmlns:go="http://customooxmlschemas.google.com/" xmlns:ahyp="http://schemas.microsoft.com/office/drawing/2018/hyperlinkcolor" xmlns:p15="http://schemas.microsoft.com/office/powerpoint/2012/main" xmlns:p14="http://schemas.microsoft.com/office/powerpoint/2010/main" xmlns:com="http://schemas.openxmlformats.org/drawingml/2006/compatibility" xmlns:pvml="urn:schemas-microsoft-com:office:powerpoint" xmlns:v="urn:schemas-microsoft-com:vml" xmlns:o="urn:schemas-microsoft-com:office:office" xmlns:dgm="http://schemas.openxmlformats.org/drawingml/2006/diagram" xmlns:c="http://schemas.openxmlformats.org/drawingml/2006/chart" xmlns:mv="urn:schemas-microsoft-com:mac:vml" xmlns:mc="http://schemas.openxmlformats.org/markup-compatibility/2006" xmlns="" r:id="rId34" roundtripDataSignature="AMtx7mij1fsZUe5V3lBG5qQcqOvrI5UhJw=="/>
     </p:ext>
   </p:extLst>
 </p:presentation>
@@ -25556,7 +25556,7 @@
         </p:blipFill>
         <p:spPr>
           <a:xfrm>
-            <a:off x="7196362" y="2461450"/>
+            <a:off x="7196362" y="75093"/>
             <a:ext cx="1938293" cy="2349447"/>
           </a:xfrm>
           <a:prstGeom prst="rect">
@@ -25575,7 +25575,7 @@
         <p:fade/>
       </p:transition>
     </mc:Choice>
-    <mc:Fallback xmlns="" xmlns:mv="urn:schemas-microsoft-com:mac:vml" xmlns:c="http://schemas.openxmlformats.org/drawingml/2006/chart" xmlns:dgm="http://schemas.openxmlformats.org/drawingml/2006/diagram" xmlns:o="urn:schemas-microsoft-com:office:office" xmlns:v="urn:schemas-microsoft-com:vml" xmlns:pvml="urn:schemas-microsoft-com:office:powerpoint" xmlns:com="http://schemas.openxmlformats.org/drawingml/2006/compatibility" xmlns:p15="http://schemas.microsoft.com/office/powerpoint/2012/main" xmlns:ahyp="http://schemas.microsoft.com/office/drawing/2018/hyperlinkcolor">
+    <mc:Fallback xmlns:ahyp="http://schemas.microsoft.com/office/drawing/2018/hyperlinkcolor" xmlns:p15="http://schemas.microsoft.com/office/powerpoint/2012/main" xmlns:com="http://schemas.openxmlformats.org/drawingml/2006/compatibility" xmlns:pvml="urn:schemas-microsoft-com:office:powerpoint" xmlns:v="urn:schemas-microsoft-com:vml" xmlns:o="urn:schemas-microsoft-com:office:office" xmlns:dgm="http://schemas.openxmlformats.org/drawingml/2006/diagram" xmlns:c="http://schemas.openxmlformats.org/drawingml/2006/chart" xmlns:mv="urn:schemas-microsoft-com:mac:vml" xmlns="">
       <p:transition spd="slow">
         <p:fade/>
       </p:transition>
@@ -26476,8 +26476,8 @@
         </p:nvSpPr>
         <p:spPr>
           <a:xfrm>
-            <a:off x="467550" y="1660806"/>
-            <a:ext cx="8520600" cy="1519790"/>
+            <a:off x="467550" y="1380004"/>
+            <a:ext cx="8520600" cy="1671483"/>
           </a:xfrm>
           <a:prstGeom prst="rect">
             <a:avLst/>
@@ -26602,7 +26602,7 @@
         </p:nvSpPr>
         <p:spPr>
           <a:xfrm>
-            <a:off x="497019" y="3127064"/>
+            <a:off x="497019" y="2803680"/>
             <a:ext cx="7923965" cy="1134083"/>
           </a:xfrm>
           <a:prstGeom prst="rect">
@@ -26635,7 +26635,27 @@
                 <a:cs typeface="Century Gothic"/>
                 <a:sym typeface="Century Gothic"/>
               </a:rPr>
-              <a:t>Explicação teórica do conceito de Pilhas</a:t>
+              <a:t>Explicação teórica do </a:t>
+            </a:r>
+          </a:p>
+          <a:p>
+            <a:pPr lvl="0">
+              <a:buClr>
+                <a:schemeClr val="dk1"/>
+              </a:buClr>
+              <a:buSzPts val="1100"/>
+            </a:pPr>
+            <a:r>
+              <a:rPr lang="pt-BR" sz="3600" dirty="0">
+                <a:solidFill>
+                  <a:srgbClr val="F78321"/>
+                </a:solidFill>
+                <a:latin typeface="Century Gothic"/>
+                <a:ea typeface="Century Gothic"/>
+                <a:cs typeface="Century Gothic"/>
+                <a:sym typeface="Century Gothic"/>
+              </a:rPr>
+              <a:t>conceito de Pilhas</a:t>
             </a:r>
           </a:p>
         </p:txBody>
@@ -26651,7 +26671,7 @@
         <p:fade/>
       </p:transition>
     </mc:Choice>
-    <mc:Fallback xmlns:ahyp="http://schemas.microsoft.com/office/drawing/2018/hyperlinkcolor" xmlns:p15="http://schemas.microsoft.com/office/powerpoint/2012/main" xmlns:com="http://schemas.openxmlformats.org/drawingml/2006/compatibility" xmlns:pvml="urn:schemas-microsoft-com:office:powerpoint" xmlns:v="urn:schemas-microsoft-com:vml" xmlns:o="urn:schemas-microsoft-com:office:office" xmlns:dgm="http://schemas.openxmlformats.org/drawingml/2006/diagram" xmlns:c="http://schemas.openxmlformats.org/drawingml/2006/chart" xmlns:mv="urn:schemas-microsoft-com:mac:vml" xmlns="">
+    <mc:Fallback xmlns="" xmlns:mv="urn:schemas-microsoft-com:mac:vml" xmlns:c="http://schemas.openxmlformats.org/drawingml/2006/chart" xmlns:dgm="http://schemas.openxmlformats.org/drawingml/2006/diagram" xmlns:o="urn:schemas-microsoft-com:office:office" xmlns:v="urn:schemas-microsoft-com:vml" xmlns:pvml="urn:schemas-microsoft-com:office:powerpoint" xmlns:com="http://schemas.openxmlformats.org/drawingml/2006/compatibility" xmlns:p15="http://schemas.microsoft.com/office/powerpoint/2012/main" xmlns:ahyp="http://schemas.microsoft.com/office/drawing/2018/hyperlinkcolor">
       <p:transition spd="slow">
         <p:fade/>
       </p:transition>
@@ -27138,7 +27158,7 @@
         <p:spPr>
           <a:xfrm>
             <a:off x="578913" y="1605775"/>
-            <a:ext cx="7996375" cy="1200329"/>
+            <a:ext cx="7996375" cy="1569660"/>
           </a:xfrm>
           <a:prstGeom prst="rect">
             <a:avLst/>
@@ -27237,7 +27257,25 @@
                 <a:latin typeface="Calibri" panose="020F0502020204030204" pitchFamily="34" charset="0"/>
                 <a:cs typeface="Calibri" panose="020F0502020204030204" pitchFamily="34" charset="0"/>
               </a:rPr>
-              <a:t>O último elemento que entra é o primeiro a sair</a:t>
+              <a:t>O último elemento que entra </a:t>
+            </a:r>
+          </a:p>
+          <a:p>
+            <a:pPr lvl="1">
+              <a:buClr>
+                <a:srgbClr val="002060"/>
+              </a:buClr>
+              <a:buSzPct val="71000"/>
+            </a:pPr>
+            <a:r>
+              <a:rPr lang="pt-BR" sz="2400" dirty="0">
+                <a:solidFill>
+                  <a:srgbClr val="002060"/>
+                </a:solidFill>
+                <a:latin typeface="Calibri" panose="020F0502020204030204" pitchFamily="34" charset="0"/>
+                <a:cs typeface="Calibri" panose="020F0502020204030204" pitchFamily="34" charset="0"/>
+              </a:rPr>
+              <a:t>     é o primeiro a sair</a:t>
             </a:r>
           </a:p>
         </p:txBody>
@@ -27314,7 +27352,7 @@
         </p:blipFill>
         <p:spPr>
           <a:xfrm>
-            <a:off x="692357" y="1977670"/>
+            <a:off x="67893" y="985207"/>
             <a:ext cx="2269075" cy="1279880"/>
           </a:xfrm>
           <a:prstGeom prst="rect">
@@ -27503,7 +27541,7 @@
         </p:blipFill>
         <p:spPr>
           <a:xfrm>
-            <a:off x="1535537" y="2159664"/>
+            <a:off x="911073" y="1167201"/>
             <a:ext cx="582714" cy="615543"/>
           </a:xfrm>
           <a:prstGeom prst="rect">
@@ -27533,7 +27571,7 @@
         </p:blipFill>
         <p:spPr>
           <a:xfrm>
-            <a:off x="3382217" y="1977670"/>
+            <a:off x="2757753" y="985207"/>
             <a:ext cx="2269075" cy="1279880"/>
           </a:xfrm>
           <a:prstGeom prst="rect">
@@ -27563,7 +27601,7 @@
         </p:blipFill>
         <p:spPr>
           <a:xfrm>
-            <a:off x="4225397" y="2159664"/>
+            <a:off x="3600933" y="1167201"/>
             <a:ext cx="582714" cy="615543"/>
           </a:xfrm>
           <a:prstGeom prst="rect">
@@ -27593,7 +27631,7 @@
         </p:blipFill>
         <p:spPr>
           <a:xfrm>
-            <a:off x="6052302" y="1977670"/>
+            <a:off x="5427838" y="985207"/>
             <a:ext cx="2269075" cy="1279880"/>
           </a:xfrm>
           <a:prstGeom prst="rect">
@@ -27623,7 +27661,7 @@
         </p:blipFill>
         <p:spPr>
           <a:xfrm>
-            <a:off x="6895482" y="2159664"/>
+            <a:off x="6271018" y="1167201"/>
             <a:ext cx="582714" cy="615543"/>
           </a:xfrm>
           <a:prstGeom prst="rect">
@@ -27645,7 +27683,7 @@
         </p:nvSpPr>
         <p:spPr>
           <a:xfrm>
-            <a:off x="2686306" y="2796172"/>
+            <a:off x="2061842" y="1803709"/>
             <a:ext cx="776983" cy="346928"/>
           </a:xfrm>
           <a:prstGeom prst="rightArrow">
@@ -27691,7 +27729,7 @@
         </p:nvSpPr>
         <p:spPr>
           <a:xfrm>
-            <a:off x="5366006" y="2789822"/>
+            <a:off x="4741542" y="1797359"/>
             <a:ext cx="776983" cy="346928"/>
           </a:xfrm>
           <a:prstGeom prst="rightArrow">
@@ -27736,8 +27774,8 @@
           <p:nvPr/>
         </p:nvSpPr>
         <p:spPr>
-          <a:xfrm rot="5400000">
-            <a:off x="7375603" y="3281928"/>
+          <a:xfrm rot="9061006">
+            <a:off x="6322358" y="2143674"/>
             <a:ext cx="776983" cy="346928"/>
           </a:xfrm>
           <a:prstGeom prst="rightArrow">
@@ -27783,8 +27821,8 @@
         </p:nvSpPr>
         <p:spPr>
           <a:xfrm>
-            <a:off x="6982549" y="3731346"/>
-            <a:ext cx="1415772" cy="923330"/>
+            <a:off x="5447613" y="2144287"/>
+            <a:ext cx="1005403" cy="646331"/>
           </a:xfrm>
           <a:prstGeom prst="rect">
             <a:avLst/>
@@ -27799,7 +27837,7 @@
           <a:p>
             <a:pPr algn="ctr"/>
             <a:r>
-              <a:rPr lang="pt-BR" sz="5400" b="1" dirty="0" err="1">
+              <a:rPr lang="pt-BR" sz="3600" b="1" dirty="0" err="1">
                 <a:ln w="12700">
                   <a:solidFill>
                     <a:schemeClr val="accent3">
@@ -27829,7 +27867,7 @@
               </a:rPr>
               <a:t>null</a:t>
             </a:r>
-            <a:endParaRPr lang="pt-BR" sz="5400" b="1" dirty="0">
+            <a:endParaRPr lang="pt-BR" sz="3600" b="1" dirty="0">
               <a:ln w="12700">
                 <a:solidFill>
                   <a:schemeClr val="accent3">
